--- a/Calendario2025/presentaciones/10_DiccionariosTuplas.pptx
+++ b/Calendario2025/presentaciones/10_DiccionariosTuplas.pptx
@@ -5,7 +5,7 @@
     <p:sldMasterId id="2147483648" r:id="rId1"/>
   </p:sldMasterIdLst>
   <p:notesMasterIdLst>
-    <p:notesMasterId r:id="rId21"/>
+    <p:notesMasterId r:id="rId19"/>
   </p:notesMasterIdLst>
   <p:sldIdLst>
     <p:sldId id="283" r:id="rId2"/>
@@ -20,13 +20,11 @@
     <p:sldId id="315" r:id="rId11"/>
     <p:sldId id="316" r:id="rId12"/>
     <p:sldId id="317" r:id="rId13"/>
-    <p:sldId id="318" r:id="rId14"/>
-    <p:sldId id="319" r:id="rId15"/>
-    <p:sldId id="320" r:id="rId16"/>
-    <p:sldId id="321" r:id="rId17"/>
-    <p:sldId id="322" r:id="rId18"/>
-    <p:sldId id="323" r:id="rId19"/>
-    <p:sldId id="282" r:id="rId20"/>
+    <p:sldId id="320" r:id="rId14"/>
+    <p:sldId id="321" r:id="rId15"/>
+    <p:sldId id="322" r:id="rId16"/>
+    <p:sldId id="323" r:id="rId17"/>
+    <p:sldId id="282" r:id="rId18"/>
   </p:sldIdLst>
   <p:sldSz cx="9144000" cy="6858000" type="screen4x3"/>
   <p:notesSz cx="6858000" cy="9144000"/>
@@ -226,7 +224,7 @@
           <a:p>
             <a:fld id="{59C7E2AA-6A4C-4042-9554-ED2A913B287A}" type="datetimeFigureOut">
               <a:rPr lang="es-MX" smtClean="0"/>
-              <a:t>24/02/2023</a:t>
+              <a:t>20/02/2025</a:t>
             </a:fld>
             <a:endParaRPr lang="es-MX" dirty="0"/>
           </a:p>
@@ -385,7 +383,7 @@
           <a:p>
             <a:fld id="{696058A4-74A4-4E49-9DDB-7D0AF71A622B}" type="slidenum">
               <a:rPr lang="es-MX" smtClean="0"/>
-              <a:t>‹Nº›</a:t>
+              <a:t>‹#›</a:t>
             </a:fld>
             <a:endParaRPr lang="es-MX" dirty="0"/>
           </a:p>
@@ -1020,7 +1018,7 @@
     </p:spTree>
     <p:extLst>
       <p:ext uri="{BB962C8B-B14F-4D97-AF65-F5344CB8AC3E}">
-        <p14:creationId xmlns:p14="http://schemas.microsoft.com/office/powerpoint/2010/main" val="1763860610"/>
+        <p14:creationId xmlns:p14="http://schemas.microsoft.com/office/powerpoint/2010/main" val="1509521934"/>
       </p:ext>
     </p:extLst>
   </p:cSld>
@@ -1154,7 +1152,7 @@
     </p:spTree>
     <p:extLst>
       <p:ext uri="{BB962C8B-B14F-4D97-AF65-F5344CB8AC3E}">
-        <p14:creationId xmlns:p14="http://schemas.microsoft.com/office/powerpoint/2010/main" val="3488377930"/>
+        <p14:creationId xmlns:p14="http://schemas.microsoft.com/office/powerpoint/2010/main" val="130448521"/>
       </p:ext>
     </p:extLst>
   </p:cSld>
@@ -1288,7 +1286,7 @@
     </p:spTree>
     <p:extLst>
       <p:ext uri="{BB962C8B-B14F-4D97-AF65-F5344CB8AC3E}">
-        <p14:creationId xmlns:p14="http://schemas.microsoft.com/office/powerpoint/2010/main" val="1509521934"/>
+        <p14:creationId xmlns:p14="http://schemas.microsoft.com/office/powerpoint/2010/main" val="1827101723"/>
       </p:ext>
     </p:extLst>
   </p:cSld>
@@ -1299,274 +1297,6 @@
 </file>
 
 <file path=ppt/notesSlides/notesSlide15.xml><?xml version="1.0" encoding="utf-8"?>
-<p:notes xmlns:a="http://schemas.openxmlformats.org/drawingml/2006/main" xmlns:r="http://schemas.openxmlformats.org/officeDocument/2006/relationships" xmlns:p="http://schemas.openxmlformats.org/presentationml/2006/main">
-  <p:cSld>
-    <p:spTree>
-      <p:nvGrpSpPr>
-        <p:cNvPr id="1" name=""/>
-        <p:cNvGrpSpPr/>
-        <p:nvPr/>
-      </p:nvGrpSpPr>
-      <p:grpSpPr>
-        <a:xfrm>
-          <a:off x="0" y="0"/>
-          <a:ext cx="0" cy="0"/>
-          <a:chOff x="0" y="0"/>
-          <a:chExt cx="0" cy="0"/>
-        </a:xfrm>
-      </p:grpSpPr>
-      <p:sp>
-        <p:nvSpPr>
-          <p:cNvPr id="24578" name="Rectangle 2"/>
-          <p:cNvSpPr>
-            <a:spLocks noGrp="1" noRot="1" noChangeAspect="1" noChangeArrowheads="1" noTextEdit="1"/>
-          </p:cNvSpPr>
-          <p:nvPr>
-            <p:ph type="sldImg"/>
-          </p:nvPr>
-        </p:nvSpPr>
-        <p:spPr bwMode="auto">
-          <a:xfrm>
-            <a:off x="1144588" y="685800"/>
-            <a:ext cx="4568825" cy="3427413"/>
-          </a:xfrm>
-          <a:prstGeom prst="rect">
-            <a:avLst/>
-          </a:prstGeom>
-          <a:noFill/>
-          <a:ln w="12700">
-            <a:solidFill>
-              <a:srgbClr val="000000"/>
-            </a:solidFill>
-            <a:miter lim="800000"/>
-            <a:headEnd/>
-            <a:tailEnd/>
-          </a:ln>
-          <a:extLst>
-            <a:ext uri="{909E8E84-426E-40DD-AFC4-6F175D3DCCD1}">
-              <a14:hiddenFill xmlns:a14="http://schemas.microsoft.com/office/drawing/2010/main">
-                <a:solidFill>
-                  <a:srgbClr val="FFFFFF"/>
-                </a:solidFill>
-              </a14:hiddenFill>
-            </a:ext>
-            <a:ext uri="{AF507438-7753-43E0-B8FC-AC1667EBCBE1}">
-              <a14:hiddenEffects xmlns:a14="http://schemas.microsoft.com/office/drawing/2010/main">
-                <a:effectLst>
-                  <a:outerShdw dist="35921" dir="2700000" algn="ctr" rotWithShape="0">
-                    <a:srgbClr val="808080"/>
-                  </a:outerShdw>
-                </a:effectLst>
-              </a14:hiddenEffects>
-            </a:ext>
-            <a:ext uri="{53640926-AAD7-44D8-BBD7-CCE9431645EC}">
-              <a14:shadowObscured xmlns:a14="http://schemas.microsoft.com/office/drawing/2010/main" val="1"/>
-            </a:ext>
-          </a:extLst>
-        </p:spPr>
-      </p:sp>
-      <p:sp>
-        <p:nvSpPr>
-          <p:cNvPr id="24579" name="Rectangle 3"/>
-          <p:cNvSpPr>
-            <a:spLocks noGrp="1" noChangeArrowheads="1"/>
-          </p:cNvSpPr>
-          <p:nvPr>
-            <p:ph type="body" idx="1"/>
-          </p:nvPr>
-        </p:nvSpPr>
-        <p:spPr bwMode="auto">
-          <a:xfrm>
-            <a:off x="914920" y="4346020"/>
-            <a:ext cx="5028161" cy="4111437"/>
-          </a:xfrm>
-          <a:prstGeom prst="rect">
-            <a:avLst/>
-          </a:prstGeom>
-          <a:solidFill>
-            <a:srgbClr val="FFFFFF"/>
-          </a:solidFill>
-          <a:ln w="12700">
-            <a:solidFill>
-              <a:srgbClr val="000000"/>
-            </a:solidFill>
-            <a:miter lim="800000"/>
-            <a:headEnd/>
-            <a:tailEnd/>
-          </a:ln>
-          <a:extLst>
-            <a:ext uri="{AF507438-7753-43E0-B8FC-AC1667EBCBE1}">
-              <a14:hiddenEffects xmlns:a14="http://schemas.microsoft.com/office/drawing/2010/main">
-                <a:effectLst>
-                  <a:outerShdw dist="35921" dir="2700000" algn="ctr" rotWithShape="0">
-                    <a:schemeClr val="bg2"/>
-                  </a:outerShdw>
-                </a:effectLst>
-              </a14:hiddenEffects>
-            </a:ext>
-          </a:extLst>
-        </p:spPr>
-        <p:txBody>
-          <a:bodyPr lIns="90574" tIns="45288" rIns="90574" bIns="45288"/>
-          <a:lstStyle/>
-          <a:p>
-            <a:pPr defTabSz="899495">
-              <a:spcBef>
-                <a:spcPct val="0"/>
-              </a:spcBef>
-            </a:pPr>
-            <a:endParaRPr lang="es-MX" dirty="0"/>
-          </a:p>
-        </p:txBody>
-      </p:sp>
-    </p:spTree>
-    <p:extLst>
-      <p:ext uri="{BB962C8B-B14F-4D97-AF65-F5344CB8AC3E}">
-        <p14:creationId xmlns:p14="http://schemas.microsoft.com/office/powerpoint/2010/main" val="130448521"/>
-      </p:ext>
-    </p:extLst>
-  </p:cSld>
-  <p:clrMapOvr>
-    <a:masterClrMapping/>
-  </p:clrMapOvr>
-</p:notes>
-</file>
-
-<file path=ppt/notesSlides/notesSlide16.xml><?xml version="1.0" encoding="utf-8"?>
-<p:notes xmlns:a="http://schemas.openxmlformats.org/drawingml/2006/main" xmlns:r="http://schemas.openxmlformats.org/officeDocument/2006/relationships" xmlns:p="http://schemas.openxmlformats.org/presentationml/2006/main">
-  <p:cSld>
-    <p:spTree>
-      <p:nvGrpSpPr>
-        <p:cNvPr id="1" name=""/>
-        <p:cNvGrpSpPr/>
-        <p:nvPr/>
-      </p:nvGrpSpPr>
-      <p:grpSpPr>
-        <a:xfrm>
-          <a:off x="0" y="0"/>
-          <a:ext cx="0" cy="0"/>
-          <a:chOff x="0" y="0"/>
-          <a:chExt cx="0" cy="0"/>
-        </a:xfrm>
-      </p:grpSpPr>
-      <p:sp>
-        <p:nvSpPr>
-          <p:cNvPr id="24578" name="Rectangle 2"/>
-          <p:cNvSpPr>
-            <a:spLocks noGrp="1" noRot="1" noChangeAspect="1" noChangeArrowheads="1" noTextEdit="1"/>
-          </p:cNvSpPr>
-          <p:nvPr>
-            <p:ph type="sldImg"/>
-          </p:nvPr>
-        </p:nvSpPr>
-        <p:spPr bwMode="auto">
-          <a:xfrm>
-            <a:off x="1144588" y="685800"/>
-            <a:ext cx="4568825" cy="3427413"/>
-          </a:xfrm>
-          <a:prstGeom prst="rect">
-            <a:avLst/>
-          </a:prstGeom>
-          <a:noFill/>
-          <a:ln w="12700">
-            <a:solidFill>
-              <a:srgbClr val="000000"/>
-            </a:solidFill>
-            <a:miter lim="800000"/>
-            <a:headEnd/>
-            <a:tailEnd/>
-          </a:ln>
-          <a:extLst>
-            <a:ext uri="{909E8E84-426E-40DD-AFC4-6F175D3DCCD1}">
-              <a14:hiddenFill xmlns:a14="http://schemas.microsoft.com/office/drawing/2010/main">
-                <a:solidFill>
-                  <a:srgbClr val="FFFFFF"/>
-                </a:solidFill>
-              </a14:hiddenFill>
-            </a:ext>
-            <a:ext uri="{AF507438-7753-43E0-B8FC-AC1667EBCBE1}">
-              <a14:hiddenEffects xmlns:a14="http://schemas.microsoft.com/office/drawing/2010/main">
-                <a:effectLst>
-                  <a:outerShdw dist="35921" dir="2700000" algn="ctr" rotWithShape="0">
-                    <a:srgbClr val="808080"/>
-                  </a:outerShdw>
-                </a:effectLst>
-              </a14:hiddenEffects>
-            </a:ext>
-            <a:ext uri="{53640926-AAD7-44D8-BBD7-CCE9431645EC}">
-              <a14:shadowObscured xmlns:a14="http://schemas.microsoft.com/office/drawing/2010/main" val="1"/>
-            </a:ext>
-          </a:extLst>
-        </p:spPr>
-      </p:sp>
-      <p:sp>
-        <p:nvSpPr>
-          <p:cNvPr id="24579" name="Rectangle 3"/>
-          <p:cNvSpPr>
-            <a:spLocks noGrp="1" noChangeArrowheads="1"/>
-          </p:cNvSpPr>
-          <p:nvPr>
-            <p:ph type="body" idx="1"/>
-          </p:nvPr>
-        </p:nvSpPr>
-        <p:spPr bwMode="auto">
-          <a:xfrm>
-            <a:off x="914920" y="4346020"/>
-            <a:ext cx="5028161" cy="4111437"/>
-          </a:xfrm>
-          <a:prstGeom prst="rect">
-            <a:avLst/>
-          </a:prstGeom>
-          <a:solidFill>
-            <a:srgbClr val="FFFFFF"/>
-          </a:solidFill>
-          <a:ln w="12700">
-            <a:solidFill>
-              <a:srgbClr val="000000"/>
-            </a:solidFill>
-            <a:miter lim="800000"/>
-            <a:headEnd/>
-            <a:tailEnd/>
-          </a:ln>
-          <a:extLst>
-            <a:ext uri="{AF507438-7753-43E0-B8FC-AC1667EBCBE1}">
-              <a14:hiddenEffects xmlns:a14="http://schemas.microsoft.com/office/drawing/2010/main">
-                <a:effectLst>
-                  <a:outerShdw dist="35921" dir="2700000" algn="ctr" rotWithShape="0">
-                    <a:schemeClr val="bg2"/>
-                  </a:outerShdw>
-                </a:effectLst>
-              </a14:hiddenEffects>
-            </a:ext>
-          </a:extLst>
-        </p:spPr>
-        <p:txBody>
-          <a:bodyPr lIns="90574" tIns="45288" rIns="90574" bIns="45288"/>
-          <a:lstStyle/>
-          <a:p>
-            <a:pPr defTabSz="899495">
-              <a:spcBef>
-                <a:spcPct val="0"/>
-              </a:spcBef>
-            </a:pPr>
-            <a:endParaRPr lang="es-MX" dirty="0"/>
-          </a:p>
-        </p:txBody>
-      </p:sp>
-    </p:spTree>
-    <p:extLst>
-      <p:ext uri="{BB962C8B-B14F-4D97-AF65-F5344CB8AC3E}">
-        <p14:creationId xmlns:p14="http://schemas.microsoft.com/office/powerpoint/2010/main" val="1827101723"/>
-      </p:ext>
-    </p:extLst>
-  </p:cSld>
-  <p:clrMapOvr>
-    <a:masterClrMapping/>
-  </p:clrMapOvr>
-</p:notes>
-</file>
-
-<file path=ppt/notesSlides/notesSlide17.xml><?xml version="1.0" encoding="utf-8"?>
 <p:notes xmlns:a="http://schemas.openxmlformats.org/drawingml/2006/main" xmlns:r="http://schemas.openxmlformats.org/officeDocument/2006/relationships" xmlns:p="http://schemas.openxmlformats.org/presentationml/2006/main">
   <p:cSld>
     <p:spTree>
@@ -2953,7 +2683,7 @@
           <a:p>
             <a:fld id="{BAE3B62E-9D6B-4C41-BFE5-D19C53A0513B}" type="datetimeFigureOut">
               <a:rPr lang="es-MX" smtClean="0"/>
-              <a:t>24/02/2023</a:t>
+              <a:t>20/02/2025</a:t>
             </a:fld>
             <a:endParaRPr lang="es-MX" dirty="0"/>
           </a:p>
@@ -2995,7 +2725,7 @@
           <a:p>
             <a:fld id="{92823904-E0C3-4D45-A85E-A4B4FAD16498}" type="slidenum">
               <a:rPr lang="es-MX" smtClean="0"/>
-              <a:t>‹Nº›</a:t>
+              <a:t>‹#›</a:t>
             </a:fld>
             <a:endParaRPr lang="es-MX" dirty="0"/>
           </a:p>
@@ -3123,7 +2853,7 @@
           <a:p>
             <a:fld id="{BAE3B62E-9D6B-4C41-BFE5-D19C53A0513B}" type="datetimeFigureOut">
               <a:rPr lang="es-MX" smtClean="0"/>
-              <a:t>24/02/2023</a:t>
+              <a:t>20/02/2025</a:t>
             </a:fld>
             <a:endParaRPr lang="es-MX" dirty="0"/>
           </a:p>
@@ -3165,7 +2895,7 @@
           <a:p>
             <a:fld id="{92823904-E0C3-4D45-A85E-A4B4FAD16498}" type="slidenum">
               <a:rPr lang="es-MX" smtClean="0"/>
-              <a:t>‹Nº›</a:t>
+              <a:t>‹#›</a:t>
             </a:fld>
             <a:endParaRPr lang="es-MX" dirty="0"/>
           </a:p>
@@ -3303,7 +3033,7 @@
           <a:p>
             <a:fld id="{BAE3B62E-9D6B-4C41-BFE5-D19C53A0513B}" type="datetimeFigureOut">
               <a:rPr lang="es-MX" smtClean="0"/>
-              <a:t>24/02/2023</a:t>
+              <a:t>20/02/2025</a:t>
             </a:fld>
             <a:endParaRPr lang="es-MX" dirty="0"/>
           </a:p>
@@ -3345,7 +3075,7 @@
           <a:p>
             <a:fld id="{92823904-E0C3-4D45-A85E-A4B4FAD16498}" type="slidenum">
               <a:rPr lang="es-MX" smtClean="0"/>
-              <a:t>‹Nº›</a:t>
+              <a:t>‹#›</a:t>
             </a:fld>
             <a:endParaRPr lang="es-MX" dirty="0"/>
           </a:p>
@@ -3456,7 +3186,7 @@
           <a:p>
             <a:fld id="{1D8BD707-D9CF-40AE-B4C6-C98DA3205C09}" type="datetimeFigureOut">
               <a:rPr lang="en-US" smtClean="0"/>
-              <a:t>2/24/2023</a:t>
+              <a:t>2/20/2025</a:t>
             </a:fld>
             <a:endParaRPr lang="en-US"/>
           </a:p>
@@ -3486,7 +3216,7 @@
                 <a:cs typeface="Calibri"/>
               </a:rPr>
               <a:pPr marL="25400"/>
-              <a:t>‹Nº›</a:t>
+              <a:t>‹#›</a:t>
             </a:fld>
             <a:endParaRPr lang="es-MX">
               <a:cs typeface="Calibri"/>
@@ -3616,7 +3346,7 @@
           <a:p>
             <a:fld id="{BAE3B62E-9D6B-4C41-BFE5-D19C53A0513B}" type="datetimeFigureOut">
               <a:rPr lang="es-MX" smtClean="0"/>
-              <a:t>24/02/2023</a:t>
+              <a:t>20/02/2025</a:t>
             </a:fld>
             <a:endParaRPr lang="es-MX" dirty="0"/>
           </a:p>
@@ -3658,7 +3388,7 @@
           <a:p>
             <a:fld id="{92823904-E0C3-4D45-A85E-A4B4FAD16498}" type="slidenum">
               <a:rPr lang="es-MX" smtClean="0"/>
-              <a:t>‹Nº›</a:t>
+              <a:t>‹#›</a:t>
             </a:fld>
             <a:endParaRPr lang="es-MX" dirty="0"/>
           </a:p>
@@ -3862,7 +3592,7 @@
           <a:p>
             <a:fld id="{BAE3B62E-9D6B-4C41-BFE5-D19C53A0513B}" type="datetimeFigureOut">
               <a:rPr lang="es-MX" smtClean="0"/>
-              <a:t>24/02/2023</a:t>
+              <a:t>20/02/2025</a:t>
             </a:fld>
             <a:endParaRPr lang="es-MX" dirty="0"/>
           </a:p>
@@ -3904,7 +3634,7 @@
           <a:p>
             <a:fld id="{92823904-E0C3-4D45-A85E-A4B4FAD16498}" type="slidenum">
               <a:rPr lang="es-MX" smtClean="0"/>
-              <a:t>‹Nº›</a:t>
+              <a:t>‹#›</a:t>
             </a:fld>
             <a:endParaRPr lang="es-MX" dirty="0"/>
           </a:p>
@@ -4150,7 +3880,7 @@
           <a:p>
             <a:fld id="{BAE3B62E-9D6B-4C41-BFE5-D19C53A0513B}" type="datetimeFigureOut">
               <a:rPr lang="es-MX" smtClean="0"/>
-              <a:t>24/02/2023</a:t>
+              <a:t>20/02/2025</a:t>
             </a:fld>
             <a:endParaRPr lang="es-MX" dirty="0"/>
           </a:p>
@@ -4192,7 +3922,7 @@
           <a:p>
             <a:fld id="{92823904-E0C3-4D45-A85E-A4B4FAD16498}" type="slidenum">
               <a:rPr lang="es-MX" smtClean="0"/>
-              <a:t>‹Nº›</a:t>
+              <a:t>‹#›</a:t>
             </a:fld>
             <a:endParaRPr lang="es-MX" dirty="0"/>
           </a:p>
@@ -4572,7 +4302,7 @@
           <a:p>
             <a:fld id="{BAE3B62E-9D6B-4C41-BFE5-D19C53A0513B}" type="datetimeFigureOut">
               <a:rPr lang="es-MX" smtClean="0"/>
-              <a:t>24/02/2023</a:t>
+              <a:t>20/02/2025</a:t>
             </a:fld>
             <a:endParaRPr lang="es-MX" dirty="0"/>
           </a:p>
@@ -4614,7 +4344,7 @@
           <a:p>
             <a:fld id="{92823904-E0C3-4D45-A85E-A4B4FAD16498}" type="slidenum">
               <a:rPr lang="es-MX" smtClean="0"/>
-              <a:t>‹Nº›</a:t>
+              <a:t>‹#›</a:t>
             </a:fld>
             <a:endParaRPr lang="es-MX" dirty="0"/>
           </a:p>
@@ -4690,7 +4420,7 @@
           <a:p>
             <a:fld id="{BAE3B62E-9D6B-4C41-BFE5-D19C53A0513B}" type="datetimeFigureOut">
               <a:rPr lang="es-MX" smtClean="0"/>
-              <a:t>24/02/2023</a:t>
+              <a:t>20/02/2025</a:t>
             </a:fld>
             <a:endParaRPr lang="es-MX" dirty="0"/>
           </a:p>
@@ -4732,7 +4462,7 @@
           <a:p>
             <a:fld id="{92823904-E0C3-4D45-A85E-A4B4FAD16498}" type="slidenum">
               <a:rPr lang="es-MX" smtClean="0"/>
-              <a:t>‹Nº›</a:t>
+              <a:t>‹#›</a:t>
             </a:fld>
             <a:endParaRPr lang="es-MX" dirty="0"/>
           </a:p>
@@ -4785,7 +4515,7 @@
           <a:p>
             <a:fld id="{BAE3B62E-9D6B-4C41-BFE5-D19C53A0513B}" type="datetimeFigureOut">
               <a:rPr lang="es-MX" smtClean="0"/>
-              <a:t>24/02/2023</a:t>
+              <a:t>20/02/2025</a:t>
             </a:fld>
             <a:endParaRPr lang="es-MX" dirty="0"/>
           </a:p>
@@ -4827,7 +4557,7 @@
           <a:p>
             <a:fld id="{92823904-E0C3-4D45-A85E-A4B4FAD16498}" type="slidenum">
               <a:rPr lang="es-MX" smtClean="0"/>
-              <a:t>‹Nº›</a:t>
+              <a:t>‹#›</a:t>
             </a:fld>
             <a:endParaRPr lang="es-MX" dirty="0"/>
           </a:p>
@@ -5062,7 +4792,7 @@
           <a:p>
             <a:fld id="{BAE3B62E-9D6B-4C41-BFE5-D19C53A0513B}" type="datetimeFigureOut">
               <a:rPr lang="es-MX" smtClean="0"/>
-              <a:t>24/02/2023</a:t>
+              <a:t>20/02/2025</a:t>
             </a:fld>
             <a:endParaRPr lang="es-MX" dirty="0"/>
           </a:p>
@@ -5104,7 +4834,7 @@
           <a:p>
             <a:fld id="{92823904-E0C3-4D45-A85E-A4B4FAD16498}" type="slidenum">
               <a:rPr lang="es-MX" smtClean="0"/>
-              <a:t>‹Nº›</a:t>
+              <a:t>‹#›</a:t>
             </a:fld>
             <a:endParaRPr lang="es-MX" dirty="0"/>
           </a:p>
@@ -5315,7 +5045,7 @@
           <a:p>
             <a:fld id="{BAE3B62E-9D6B-4C41-BFE5-D19C53A0513B}" type="datetimeFigureOut">
               <a:rPr lang="es-MX" smtClean="0"/>
-              <a:t>24/02/2023</a:t>
+              <a:t>20/02/2025</a:t>
             </a:fld>
             <a:endParaRPr lang="es-MX" dirty="0"/>
           </a:p>
@@ -5357,7 +5087,7 @@
           <a:p>
             <a:fld id="{92823904-E0C3-4D45-A85E-A4B4FAD16498}" type="slidenum">
               <a:rPr lang="es-MX" smtClean="0"/>
-              <a:t>‹Nº›</a:t>
+              <a:t>‹#›</a:t>
             </a:fld>
             <a:endParaRPr lang="es-MX" dirty="0"/>
           </a:p>
@@ -5528,7 +5258,7 @@
           <a:p>
             <a:fld id="{BAE3B62E-9D6B-4C41-BFE5-D19C53A0513B}" type="datetimeFigureOut">
               <a:rPr lang="es-MX" smtClean="0"/>
-              <a:t>24/02/2023</a:t>
+              <a:t>20/02/2025</a:t>
             </a:fld>
             <a:endParaRPr lang="es-MX" dirty="0"/>
           </a:p>
@@ -5606,7 +5336,7 @@
           <a:p>
             <a:fld id="{92823904-E0C3-4D45-A85E-A4B4FAD16498}" type="slidenum">
               <a:rPr lang="es-MX" smtClean="0"/>
-              <a:t>‹Nº›</a:t>
+              <a:t>‹#›</a:t>
             </a:fld>
             <a:endParaRPr lang="es-MX" dirty="0"/>
           </a:p>
@@ -7435,850 +7165,6 @@
                 <a:latin typeface="Arial" pitchFamily="34" charset="0"/>
                 <a:cs typeface="Arial" pitchFamily="34" charset="0"/>
               </a:rPr>
-              <a:t>items</a:t>
-            </a:r>
-            <a:r>
-              <a:rPr lang="es-ES" sz="2300" b="1" dirty="0">
-                <a:solidFill>
-                  <a:srgbClr val="FF0000"/>
-                </a:solidFill>
-                <a:latin typeface="Arial" pitchFamily="34" charset="0"/>
-                <a:cs typeface="Arial" pitchFamily="34" charset="0"/>
-              </a:rPr>
-              <a:t>()</a:t>
-            </a:r>
-          </a:p>
-          <a:p>
-            <a:pPr algn="just" eaLnBrk="0" hangingPunct="0">
-              <a:lnSpc>
-                <a:spcPct val="150000"/>
-              </a:lnSpc>
-            </a:pPr>
-            <a:r>
-              <a:rPr lang="es-ES" sz="2300" dirty="0">
-                <a:solidFill>
-                  <a:schemeClr val="bg2">
-                    <a:lumMod val="25000"/>
-                  </a:schemeClr>
-                </a:solidFill>
-                <a:latin typeface="Arial" pitchFamily="34" charset="0"/>
-                <a:cs typeface="Arial" pitchFamily="34" charset="0"/>
-              </a:rPr>
-              <a:t>Devuelve una lista de tuplas, cada tupla se compone de dos elementos: el primero es la </a:t>
-            </a:r>
-            <a:r>
-              <a:rPr lang="es-ES" sz="2300" b="1" dirty="0">
-                <a:solidFill>
-                  <a:schemeClr val="accent6">
-                    <a:lumMod val="75000"/>
-                  </a:schemeClr>
-                </a:solidFill>
-                <a:latin typeface="Arial" pitchFamily="34" charset="0"/>
-                <a:cs typeface="Arial" pitchFamily="34" charset="0"/>
-              </a:rPr>
-              <a:t>clave</a:t>
-            </a:r>
-            <a:r>
-              <a:rPr lang="es-ES" sz="2300" dirty="0">
-                <a:solidFill>
-                  <a:schemeClr val="bg2">
-                    <a:lumMod val="25000"/>
-                  </a:schemeClr>
-                </a:solidFill>
-                <a:latin typeface="Arial" pitchFamily="34" charset="0"/>
-                <a:cs typeface="Arial" pitchFamily="34" charset="0"/>
-              </a:rPr>
-              <a:t> y el segundo su </a:t>
-            </a:r>
-            <a:r>
-              <a:rPr lang="es-ES" sz="2300" b="1" dirty="0">
-                <a:solidFill>
-                  <a:schemeClr val="accent6">
-                    <a:lumMod val="75000"/>
-                  </a:schemeClr>
-                </a:solidFill>
-                <a:latin typeface="Arial" pitchFamily="34" charset="0"/>
-                <a:cs typeface="Arial" pitchFamily="34" charset="0"/>
-              </a:rPr>
-              <a:t>valor</a:t>
-            </a:r>
-            <a:r>
-              <a:rPr lang="es-ES" sz="2300" dirty="0">
-                <a:solidFill>
-                  <a:schemeClr val="bg2">
-                    <a:lumMod val="25000"/>
-                  </a:schemeClr>
-                </a:solidFill>
-                <a:latin typeface="Arial" pitchFamily="34" charset="0"/>
-                <a:cs typeface="Arial" pitchFamily="34" charset="0"/>
-              </a:rPr>
-              <a:t>.</a:t>
-            </a:r>
-          </a:p>
-        </p:txBody>
-      </p:sp>
-      <p:sp>
-        <p:nvSpPr>
-          <p:cNvPr id="5" name="Rectangle 2"/>
-          <p:cNvSpPr>
-            <a:spLocks noChangeArrowheads="1"/>
-          </p:cNvSpPr>
-          <p:nvPr/>
-        </p:nvSpPr>
-        <p:spPr bwMode="auto">
-          <a:xfrm>
-            <a:off x="420194" y="69103"/>
-            <a:ext cx="8280400" cy="1143000"/>
-          </a:xfrm>
-          <a:prstGeom prst="rect">
-            <a:avLst/>
-          </a:prstGeom>
-          <a:noFill/>
-          <a:ln>
-            <a:noFill/>
-          </a:ln>
-          <a:effectLst/>
-          <a:extLst>
-            <a:ext uri="{909E8E84-426E-40DD-AFC4-6F175D3DCCD1}">
-              <a14:hiddenFill xmlns:a14="http://schemas.microsoft.com/office/drawing/2010/main">
-                <a:solidFill>
-                  <a:schemeClr val="accent1"/>
-                </a:solidFill>
-              </a14:hiddenFill>
-            </a:ext>
-            <a:ext uri="{91240B29-F687-4F45-9708-019B960494DF}">
-              <a14:hiddenLine xmlns:a14="http://schemas.microsoft.com/office/drawing/2010/main" w="9525">
-                <a:solidFill>
-                  <a:schemeClr val="tx1"/>
-                </a:solidFill>
-                <a:miter lim="800000"/>
-                <a:headEnd/>
-                <a:tailEnd/>
-              </a14:hiddenLine>
-            </a:ext>
-            <a:ext uri="{AF507438-7753-43E0-B8FC-AC1667EBCBE1}">
-              <a14:hiddenEffects xmlns:a14="http://schemas.microsoft.com/office/drawing/2010/main">
-                <a:effectLst>
-                  <a:outerShdw dist="35921" dir="2700000" algn="ctr" rotWithShape="0">
-                    <a:schemeClr val="bg2"/>
-                  </a:outerShdw>
-                </a:effectLst>
-              </a14:hiddenEffects>
-            </a:ext>
-          </a:extLst>
-        </p:spPr>
-        <p:txBody>
-          <a:bodyPr lIns="92075" tIns="46038" rIns="92075" bIns="46038" anchor="ctr"/>
-          <a:lstStyle/>
-          <a:p>
-            <a:pPr algn="ctr" eaLnBrk="0" hangingPunct="0">
-              <a:defRPr/>
-            </a:pPr>
-            <a:r>
-              <a:rPr lang="es-ES_tradnl" sz="4400" b="1" dirty="0">
-                <a:solidFill>
-                  <a:schemeClr val="accent4">
-                    <a:lumMod val="50000"/>
-                  </a:schemeClr>
-                </a:solidFill>
-                <a:effectLst>
-                  <a:outerShdw blurRad="38100" dist="38100" dir="2700000" algn="tl">
-                    <a:srgbClr val="C0C0C0"/>
-                  </a:outerShdw>
-                </a:effectLst>
-              </a:rPr>
-              <a:t>Métodos de los diccionarios</a:t>
-            </a:r>
-          </a:p>
-        </p:txBody>
-      </p:sp>
-      <p:pic>
-        <p:nvPicPr>
-          <p:cNvPr id="3" name="Imagen 2">
-            <a:extLst>
-              <a:ext uri="{FF2B5EF4-FFF2-40B4-BE49-F238E27FC236}">
-                <a16:creationId xmlns:a16="http://schemas.microsoft.com/office/drawing/2014/main" id="{1D977B00-3CF3-4415-BFD2-E3F91AA8B31B}"/>
-              </a:ext>
-            </a:extLst>
-          </p:cNvPr>
-          <p:cNvPicPr>
-            <a:picLocks noChangeAspect="1"/>
-          </p:cNvPicPr>
-          <p:nvPr/>
-        </p:nvPicPr>
-        <p:blipFill>
-          <a:blip r:embed="rId3"/>
-          <a:stretch>
-            <a:fillRect/>
-          </a:stretch>
-        </p:blipFill>
-        <p:spPr>
-          <a:xfrm>
-            <a:off x="559837" y="3429000"/>
-            <a:ext cx="8279739" cy="1512168"/>
-          </a:xfrm>
-          <a:prstGeom prst="rect">
-            <a:avLst/>
-          </a:prstGeom>
-        </p:spPr>
-      </p:pic>
-      <p:pic>
-        <p:nvPicPr>
-          <p:cNvPr id="6" name="Imagen 5" descr="Un dibujo en blanco y negro&#10;&#10;Descripción generada automáticamente con confianza media">
-            <a:extLst>
-              <a:ext uri="{FF2B5EF4-FFF2-40B4-BE49-F238E27FC236}">
-                <a16:creationId xmlns:a16="http://schemas.microsoft.com/office/drawing/2014/main" id="{041435B6-2F1A-4756-863D-9DC1FA44EEC8}"/>
-              </a:ext>
-            </a:extLst>
-          </p:cNvPr>
-          <p:cNvPicPr>
-            <a:picLocks noChangeAspect="1"/>
-          </p:cNvPicPr>
-          <p:nvPr/>
-        </p:nvPicPr>
-        <p:blipFill>
-          <a:blip r:embed="rId4">
-            <a:extLst>
-              <a:ext uri="{28A0092B-C50C-407E-A947-70E740481C1C}">
-                <a14:useLocalDpi xmlns:a14="http://schemas.microsoft.com/office/drawing/2010/main" val="0"/>
-              </a:ext>
-            </a:extLst>
-          </a:blip>
-          <a:stretch>
-            <a:fillRect/>
-          </a:stretch>
-        </p:blipFill>
-        <p:spPr>
-          <a:xfrm>
-            <a:off x="6868509" y="5013176"/>
-            <a:ext cx="1971067" cy="1224136"/>
-          </a:xfrm>
-          <a:prstGeom prst="rect">
-            <a:avLst/>
-          </a:prstGeom>
-        </p:spPr>
-      </p:pic>
-    </p:spTree>
-    <p:extLst>
-      <p:ext uri="{BB962C8B-B14F-4D97-AF65-F5344CB8AC3E}">
-        <p14:creationId xmlns:p14="http://schemas.microsoft.com/office/powerpoint/2010/main" val="884795537"/>
-      </p:ext>
-    </p:extLst>
-  </p:cSld>
-  <p:clrMapOvr>
-    <a:masterClrMapping/>
-  </p:clrMapOvr>
-  <p:timing>
-    <p:tnLst>
-      <p:par>
-        <p:cTn id="1" dur="indefinite" restart="never" nodeType="tmRoot">
-          <p:childTnLst>
-            <p:seq concurrent="1" nextAc="seek">
-              <p:cTn id="2" dur="indefinite" nodeType="mainSeq">
-                <p:childTnLst>
-                  <p:par>
-                    <p:cTn id="3" fill="hold" nodeType="clickPar">
-                      <p:stCondLst>
-                        <p:cond delay="indefinite"/>
-                      </p:stCondLst>
-                      <p:childTnLst>
-                        <p:par>
-                          <p:cTn id="4" fill="hold" nodeType="withGroup">
-                            <p:stCondLst>
-                              <p:cond delay="0"/>
-                            </p:stCondLst>
-                            <p:childTnLst>
-                              <p:par>
-                                <p:cTn id="5" presetID="2" presetClass="entr" presetSubtype="6" fill="hold" grpId="0" nodeType="clickEffect">
-                                  <p:stCondLst>
-                                    <p:cond delay="0"/>
-                                  </p:stCondLst>
-                                  <p:childTnLst>
-                                    <p:set>
-                                      <p:cBhvr>
-                                        <p:cTn id="6" dur="1" fill="hold">
-                                          <p:stCondLst>
-                                            <p:cond delay="0"/>
-                                          </p:stCondLst>
-                                        </p:cTn>
-                                        <p:tgtEl>
-                                          <p:spTgt spid="246787"/>
-                                        </p:tgtEl>
-                                        <p:attrNameLst>
-                                          <p:attrName>style.visibility</p:attrName>
-                                        </p:attrNameLst>
-                                      </p:cBhvr>
-                                      <p:to>
-                                        <p:strVal val="visible"/>
-                                      </p:to>
-                                    </p:set>
-                                    <p:anim calcmode="lin" valueType="num">
-                                      <p:cBhvr additive="base">
-                                        <p:cTn id="7" dur="500" fill="hold"/>
-                                        <p:tgtEl>
-                                          <p:spTgt spid="246787"/>
-                                        </p:tgtEl>
-                                        <p:attrNameLst>
-                                          <p:attrName>ppt_x</p:attrName>
-                                        </p:attrNameLst>
-                                      </p:cBhvr>
-                                      <p:tavLst>
-                                        <p:tav tm="0">
-                                          <p:val>
-                                            <p:strVal val="1+#ppt_w/2"/>
-                                          </p:val>
-                                        </p:tav>
-                                        <p:tav tm="100000">
-                                          <p:val>
-                                            <p:strVal val="#ppt_x"/>
-                                          </p:val>
-                                        </p:tav>
-                                      </p:tavLst>
-                                    </p:anim>
-                                    <p:anim calcmode="lin" valueType="num">
-                                      <p:cBhvr additive="base">
-                                        <p:cTn id="8" dur="500" fill="hold"/>
-                                        <p:tgtEl>
-                                          <p:spTgt spid="246787"/>
-                                        </p:tgtEl>
-                                        <p:attrNameLst>
-                                          <p:attrName>ppt_y</p:attrName>
-                                        </p:attrNameLst>
-                                      </p:cBhvr>
-                                      <p:tavLst>
-                                        <p:tav tm="0">
-                                          <p:val>
-                                            <p:strVal val="1+#ppt_h/2"/>
-                                          </p:val>
-                                        </p:tav>
-                                        <p:tav tm="100000">
-                                          <p:val>
-                                            <p:strVal val="#ppt_y"/>
-                                          </p:val>
-                                        </p:tav>
-                                      </p:tavLst>
-                                    </p:anim>
-                                  </p:childTnLst>
-                                </p:cTn>
-                              </p:par>
-                            </p:childTnLst>
-                          </p:cTn>
-                        </p:par>
-                      </p:childTnLst>
-                    </p:cTn>
-                  </p:par>
-                </p:childTnLst>
-              </p:cTn>
-              <p:prevCondLst>
-                <p:cond evt="onPrev" delay="0">
-                  <p:tgtEl>
-                    <p:sldTgt/>
-                  </p:tgtEl>
-                </p:cond>
-              </p:prevCondLst>
-              <p:nextCondLst>
-                <p:cond evt="onNext" delay="0">
-                  <p:tgtEl>
-                    <p:sldTgt/>
-                  </p:tgtEl>
-                </p:cond>
-              </p:nextCondLst>
-            </p:seq>
-          </p:childTnLst>
-        </p:cTn>
-      </p:par>
-    </p:tnLst>
-    <p:bldLst>
-      <p:bldP spid="246787" grpId="0" autoUpdateAnimBg="0"/>
-    </p:bldLst>
-  </p:timing>
-</p:sld>
-</file>
-
-<file path=ppt/slides/slide14.xml><?xml version="1.0" encoding="utf-8"?>
-<p:sld xmlns:a="http://schemas.openxmlformats.org/drawingml/2006/main" xmlns:r="http://schemas.openxmlformats.org/officeDocument/2006/relationships" xmlns:p="http://schemas.openxmlformats.org/presentationml/2006/main">
-  <p:cSld>
-    <p:spTree>
-      <p:nvGrpSpPr>
-        <p:cNvPr id="1" name=""/>
-        <p:cNvGrpSpPr/>
-        <p:nvPr/>
-      </p:nvGrpSpPr>
-      <p:grpSpPr>
-        <a:xfrm>
-          <a:off x="0" y="0"/>
-          <a:ext cx="0" cy="0"/>
-          <a:chOff x="0" y="0"/>
-          <a:chExt cx="0" cy="0"/>
-        </a:xfrm>
-      </p:grpSpPr>
-      <p:sp>
-        <p:nvSpPr>
-          <p:cNvPr id="246787" name="Rectangle 3"/>
-          <p:cNvSpPr>
-            <a:spLocks noChangeArrowheads="1"/>
-          </p:cNvSpPr>
-          <p:nvPr/>
-        </p:nvSpPr>
-        <p:spPr bwMode="auto">
-          <a:xfrm>
-            <a:off x="559838" y="1340768"/>
-            <a:ext cx="8140756" cy="1620125"/>
-          </a:xfrm>
-          <a:prstGeom prst="rect">
-            <a:avLst/>
-          </a:prstGeom>
-          <a:noFill/>
-          <a:ln>
-            <a:noFill/>
-          </a:ln>
-          <a:effectLst/>
-          <a:extLst>
-            <a:ext uri="{909E8E84-426E-40DD-AFC4-6F175D3DCCD1}">
-              <a14:hiddenFill xmlns:a14="http://schemas.microsoft.com/office/drawing/2010/main">
-                <a:solidFill>
-                  <a:schemeClr val="accent1"/>
-                </a:solidFill>
-              </a14:hiddenFill>
-            </a:ext>
-            <a:ext uri="{91240B29-F687-4F45-9708-019B960494DF}">
-              <a14:hiddenLine xmlns:a14="http://schemas.microsoft.com/office/drawing/2010/main" w="9525">
-                <a:solidFill>
-                  <a:schemeClr val="tx1"/>
-                </a:solidFill>
-                <a:miter lim="800000"/>
-                <a:headEnd/>
-                <a:tailEnd/>
-              </a14:hiddenLine>
-            </a:ext>
-            <a:ext uri="{AF507438-7753-43E0-B8FC-AC1667EBCBE1}">
-              <a14:hiddenEffects xmlns:a14="http://schemas.microsoft.com/office/drawing/2010/main">
-                <a:effectLst>
-                  <a:outerShdw dist="35921" dir="2700000" algn="ctr" rotWithShape="0">
-                    <a:schemeClr val="bg2"/>
-                  </a:outerShdw>
-                </a:effectLst>
-              </a14:hiddenEffects>
-            </a:ext>
-          </a:extLst>
-        </p:spPr>
-        <p:txBody>
-          <a:bodyPr wrap="square" lIns="92075" tIns="46038" rIns="92075" bIns="46038">
-            <a:spAutoFit/>
-          </a:bodyPr>
-          <a:lstStyle/>
-          <a:p>
-            <a:pPr algn="just" eaLnBrk="0" hangingPunct="0">
-              <a:lnSpc>
-                <a:spcPct val="150000"/>
-              </a:lnSpc>
-            </a:pPr>
-            <a:r>
-              <a:rPr lang="es-ES" sz="2300" b="1" dirty="0" err="1">
-                <a:solidFill>
-                  <a:srgbClr val="FF0000"/>
-                </a:solidFill>
-                <a:latin typeface="Arial" pitchFamily="34" charset="0"/>
-                <a:cs typeface="Arial" pitchFamily="34" charset="0"/>
-              </a:rPr>
-              <a:t>values</a:t>
-            </a:r>
-            <a:r>
-              <a:rPr lang="es-ES" sz="2300" b="1" dirty="0">
-                <a:solidFill>
-                  <a:srgbClr val="FF0000"/>
-                </a:solidFill>
-                <a:latin typeface="Arial" pitchFamily="34" charset="0"/>
-                <a:cs typeface="Arial" pitchFamily="34" charset="0"/>
-              </a:rPr>
-              <a:t>()</a:t>
-            </a:r>
-          </a:p>
-          <a:p>
-            <a:pPr algn="just" eaLnBrk="0" hangingPunct="0">
-              <a:lnSpc>
-                <a:spcPct val="150000"/>
-              </a:lnSpc>
-            </a:pPr>
-            <a:r>
-              <a:rPr lang="es-ES" sz="2300" dirty="0">
-                <a:solidFill>
-                  <a:schemeClr val="bg2">
-                    <a:lumMod val="25000"/>
-                  </a:schemeClr>
-                </a:solidFill>
-                <a:latin typeface="Arial" pitchFamily="34" charset="0"/>
-                <a:cs typeface="Arial" pitchFamily="34" charset="0"/>
-              </a:rPr>
-              <a:t>Retorna una lista de elementos, que serán los valores de un diccionario.</a:t>
-            </a:r>
-          </a:p>
-        </p:txBody>
-      </p:sp>
-      <p:sp>
-        <p:nvSpPr>
-          <p:cNvPr id="5" name="Rectangle 2"/>
-          <p:cNvSpPr>
-            <a:spLocks noChangeArrowheads="1"/>
-          </p:cNvSpPr>
-          <p:nvPr/>
-        </p:nvSpPr>
-        <p:spPr bwMode="auto">
-          <a:xfrm>
-            <a:off x="420194" y="69103"/>
-            <a:ext cx="8280400" cy="1143000"/>
-          </a:xfrm>
-          <a:prstGeom prst="rect">
-            <a:avLst/>
-          </a:prstGeom>
-          <a:noFill/>
-          <a:ln>
-            <a:noFill/>
-          </a:ln>
-          <a:effectLst/>
-          <a:extLst>
-            <a:ext uri="{909E8E84-426E-40DD-AFC4-6F175D3DCCD1}">
-              <a14:hiddenFill xmlns:a14="http://schemas.microsoft.com/office/drawing/2010/main">
-                <a:solidFill>
-                  <a:schemeClr val="accent1"/>
-                </a:solidFill>
-              </a14:hiddenFill>
-            </a:ext>
-            <a:ext uri="{91240B29-F687-4F45-9708-019B960494DF}">
-              <a14:hiddenLine xmlns:a14="http://schemas.microsoft.com/office/drawing/2010/main" w="9525">
-                <a:solidFill>
-                  <a:schemeClr val="tx1"/>
-                </a:solidFill>
-                <a:miter lim="800000"/>
-                <a:headEnd/>
-                <a:tailEnd/>
-              </a14:hiddenLine>
-            </a:ext>
-            <a:ext uri="{AF507438-7753-43E0-B8FC-AC1667EBCBE1}">
-              <a14:hiddenEffects xmlns:a14="http://schemas.microsoft.com/office/drawing/2010/main">
-                <a:effectLst>
-                  <a:outerShdw dist="35921" dir="2700000" algn="ctr" rotWithShape="0">
-                    <a:schemeClr val="bg2"/>
-                  </a:outerShdw>
-                </a:effectLst>
-              </a14:hiddenEffects>
-            </a:ext>
-          </a:extLst>
-        </p:spPr>
-        <p:txBody>
-          <a:bodyPr lIns="92075" tIns="46038" rIns="92075" bIns="46038" anchor="ctr"/>
-          <a:lstStyle/>
-          <a:p>
-            <a:pPr algn="ctr" eaLnBrk="0" hangingPunct="0">
-              <a:defRPr/>
-            </a:pPr>
-            <a:r>
-              <a:rPr lang="es-ES_tradnl" sz="4400" b="1" dirty="0">
-                <a:solidFill>
-                  <a:schemeClr val="accent4">
-                    <a:lumMod val="50000"/>
-                  </a:schemeClr>
-                </a:solidFill>
-                <a:effectLst>
-                  <a:outerShdw blurRad="38100" dist="38100" dir="2700000" algn="tl">
-                    <a:srgbClr val="C0C0C0"/>
-                  </a:outerShdw>
-                </a:effectLst>
-              </a:rPr>
-              <a:t>Métodos de los diccionarios</a:t>
-            </a:r>
-          </a:p>
-        </p:txBody>
-      </p:sp>
-      <p:pic>
-        <p:nvPicPr>
-          <p:cNvPr id="7" name="Imagen 6">
-            <a:extLst>
-              <a:ext uri="{FF2B5EF4-FFF2-40B4-BE49-F238E27FC236}">
-                <a16:creationId xmlns:a16="http://schemas.microsoft.com/office/drawing/2014/main" id="{A658DB07-F5FF-43AC-BB9E-8282A293E1EB}"/>
-              </a:ext>
-            </a:extLst>
-          </p:cNvPr>
-          <p:cNvPicPr>
-            <a:picLocks noChangeAspect="1"/>
-          </p:cNvPicPr>
-          <p:nvPr/>
-        </p:nvPicPr>
-        <p:blipFill>
-          <a:blip r:embed="rId3"/>
-          <a:stretch>
-            <a:fillRect/>
-          </a:stretch>
-        </p:blipFill>
-        <p:spPr>
-          <a:xfrm>
-            <a:off x="651211" y="3212976"/>
-            <a:ext cx="8049383" cy="1860713"/>
-          </a:xfrm>
-          <a:prstGeom prst="rect">
-            <a:avLst/>
-          </a:prstGeom>
-        </p:spPr>
-      </p:pic>
-      <p:pic>
-        <p:nvPicPr>
-          <p:cNvPr id="11" name="Imagen 10" descr="Un dibujo en blanco y negro&#10;&#10;Descripción generada automáticamente con confianza media">
-            <a:extLst>
-              <a:ext uri="{FF2B5EF4-FFF2-40B4-BE49-F238E27FC236}">
-                <a16:creationId xmlns:a16="http://schemas.microsoft.com/office/drawing/2014/main" id="{637CC95D-5638-4288-A9FD-08710F16A962}"/>
-              </a:ext>
-            </a:extLst>
-          </p:cNvPr>
-          <p:cNvPicPr>
-            <a:picLocks noChangeAspect="1"/>
-          </p:cNvPicPr>
-          <p:nvPr/>
-        </p:nvPicPr>
-        <p:blipFill>
-          <a:blip r:embed="rId4">
-            <a:extLst>
-              <a:ext uri="{28A0092B-C50C-407E-A947-70E740481C1C}">
-                <a14:useLocalDpi xmlns:a14="http://schemas.microsoft.com/office/drawing/2010/main" val="0"/>
-              </a:ext>
-            </a:extLst>
-          </a:blip>
-          <a:stretch>
-            <a:fillRect/>
-          </a:stretch>
-        </p:blipFill>
-        <p:spPr>
-          <a:xfrm>
-            <a:off x="6948264" y="5095190"/>
-            <a:ext cx="1971067" cy="1224136"/>
-          </a:xfrm>
-          <a:prstGeom prst="rect">
-            <a:avLst/>
-          </a:prstGeom>
-        </p:spPr>
-      </p:pic>
-    </p:spTree>
-    <p:extLst>
-      <p:ext uri="{BB962C8B-B14F-4D97-AF65-F5344CB8AC3E}">
-        <p14:creationId xmlns:p14="http://schemas.microsoft.com/office/powerpoint/2010/main" val="394990780"/>
-      </p:ext>
-    </p:extLst>
-  </p:cSld>
-  <p:clrMapOvr>
-    <a:masterClrMapping/>
-  </p:clrMapOvr>
-  <p:timing>
-    <p:tnLst>
-      <p:par>
-        <p:cTn id="1" dur="indefinite" restart="never" nodeType="tmRoot">
-          <p:childTnLst>
-            <p:seq concurrent="1" nextAc="seek">
-              <p:cTn id="2" dur="indefinite" nodeType="mainSeq">
-                <p:childTnLst>
-                  <p:par>
-                    <p:cTn id="3" fill="hold" nodeType="clickPar">
-                      <p:stCondLst>
-                        <p:cond delay="indefinite"/>
-                      </p:stCondLst>
-                      <p:childTnLst>
-                        <p:par>
-                          <p:cTn id="4" fill="hold" nodeType="withGroup">
-                            <p:stCondLst>
-                              <p:cond delay="0"/>
-                            </p:stCondLst>
-                            <p:childTnLst>
-                              <p:par>
-                                <p:cTn id="5" presetID="2" presetClass="entr" presetSubtype="6" fill="hold" grpId="0" nodeType="clickEffect">
-                                  <p:stCondLst>
-                                    <p:cond delay="0"/>
-                                  </p:stCondLst>
-                                  <p:childTnLst>
-                                    <p:set>
-                                      <p:cBhvr>
-                                        <p:cTn id="6" dur="1" fill="hold">
-                                          <p:stCondLst>
-                                            <p:cond delay="0"/>
-                                          </p:stCondLst>
-                                        </p:cTn>
-                                        <p:tgtEl>
-                                          <p:spTgt spid="246787"/>
-                                        </p:tgtEl>
-                                        <p:attrNameLst>
-                                          <p:attrName>style.visibility</p:attrName>
-                                        </p:attrNameLst>
-                                      </p:cBhvr>
-                                      <p:to>
-                                        <p:strVal val="visible"/>
-                                      </p:to>
-                                    </p:set>
-                                    <p:anim calcmode="lin" valueType="num">
-                                      <p:cBhvr additive="base">
-                                        <p:cTn id="7" dur="500" fill="hold"/>
-                                        <p:tgtEl>
-                                          <p:spTgt spid="246787"/>
-                                        </p:tgtEl>
-                                        <p:attrNameLst>
-                                          <p:attrName>ppt_x</p:attrName>
-                                        </p:attrNameLst>
-                                      </p:cBhvr>
-                                      <p:tavLst>
-                                        <p:tav tm="0">
-                                          <p:val>
-                                            <p:strVal val="1+#ppt_w/2"/>
-                                          </p:val>
-                                        </p:tav>
-                                        <p:tav tm="100000">
-                                          <p:val>
-                                            <p:strVal val="#ppt_x"/>
-                                          </p:val>
-                                        </p:tav>
-                                      </p:tavLst>
-                                    </p:anim>
-                                    <p:anim calcmode="lin" valueType="num">
-                                      <p:cBhvr additive="base">
-                                        <p:cTn id="8" dur="500" fill="hold"/>
-                                        <p:tgtEl>
-                                          <p:spTgt spid="246787"/>
-                                        </p:tgtEl>
-                                        <p:attrNameLst>
-                                          <p:attrName>ppt_y</p:attrName>
-                                        </p:attrNameLst>
-                                      </p:cBhvr>
-                                      <p:tavLst>
-                                        <p:tav tm="0">
-                                          <p:val>
-                                            <p:strVal val="1+#ppt_h/2"/>
-                                          </p:val>
-                                        </p:tav>
-                                        <p:tav tm="100000">
-                                          <p:val>
-                                            <p:strVal val="#ppt_y"/>
-                                          </p:val>
-                                        </p:tav>
-                                      </p:tavLst>
-                                    </p:anim>
-                                  </p:childTnLst>
-                                </p:cTn>
-                              </p:par>
-                            </p:childTnLst>
-                          </p:cTn>
-                        </p:par>
-                      </p:childTnLst>
-                    </p:cTn>
-                  </p:par>
-                </p:childTnLst>
-              </p:cTn>
-              <p:prevCondLst>
-                <p:cond evt="onPrev" delay="0">
-                  <p:tgtEl>
-                    <p:sldTgt/>
-                  </p:tgtEl>
-                </p:cond>
-              </p:prevCondLst>
-              <p:nextCondLst>
-                <p:cond evt="onNext" delay="0">
-                  <p:tgtEl>
-                    <p:sldTgt/>
-                  </p:tgtEl>
-                </p:cond>
-              </p:nextCondLst>
-            </p:seq>
-          </p:childTnLst>
-        </p:cTn>
-      </p:par>
-    </p:tnLst>
-    <p:bldLst>
-      <p:bldP spid="246787" grpId="0" autoUpdateAnimBg="0"/>
-    </p:bldLst>
-  </p:timing>
-</p:sld>
-</file>
-
-<file path=ppt/slides/slide15.xml><?xml version="1.0" encoding="utf-8"?>
-<p:sld xmlns:a="http://schemas.openxmlformats.org/drawingml/2006/main" xmlns:r="http://schemas.openxmlformats.org/officeDocument/2006/relationships" xmlns:p="http://schemas.openxmlformats.org/presentationml/2006/main">
-  <p:cSld>
-    <p:spTree>
-      <p:nvGrpSpPr>
-        <p:cNvPr id="1" name=""/>
-        <p:cNvGrpSpPr/>
-        <p:nvPr/>
-      </p:nvGrpSpPr>
-      <p:grpSpPr>
-        <a:xfrm>
-          <a:off x="0" y="0"/>
-          <a:ext cx="0" cy="0"/>
-          <a:chOff x="0" y="0"/>
-          <a:chExt cx="0" cy="0"/>
-        </a:xfrm>
-      </p:grpSpPr>
-      <p:sp>
-        <p:nvSpPr>
-          <p:cNvPr id="246787" name="Rectangle 3"/>
-          <p:cNvSpPr>
-            <a:spLocks noChangeArrowheads="1"/>
-          </p:cNvSpPr>
-          <p:nvPr/>
-        </p:nvSpPr>
-        <p:spPr bwMode="auto">
-          <a:xfrm>
-            <a:off x="559838" y="1340768"/>
-            <a:ext cx="8140756" cy="1620125"/>
-          </a:xfrm>
-          <a:prstGeom prst="rect">
-            <a:avLst/>
-          </a:prstGeom>
-          <a:noFill/>
-          <a:ln>
-            <a:noFill/>
-          </a:ln>
-          <a:effectLst/>
-          <a:extLst>
-            <a:ext uri="{909E8E84-426E-40DD-AFC4-6F175D3DCCD1}">
-              <a14:hiddenFill xmlns:a14="http://schemas.microsoft.com/office/drawing/2010/main">
-                <a:solidFill>
-                  <a:schemeClr val="accent1"/>
-                </a:solidFill>
-              </a14:hiddenFill>
-            </a:ext>
-            <a:ext uri="{91240B29-F687-4F45-9708-019B960494DF}">
-              <a14:hiddenLine xmlns:a14="http://schemas.microsoft.com/office/drawing/2010/main" w="9525">
-                <a:solidFill>
-                  <a:schemeClr val="tx1"/>
-                </a:solidFill>
-                <a:miter lim="800000"/>
-                <a:headEnd/>
-                <a:tailEnd/>
-              </a14:hiddenLine>
-            </a:ext>
-            <a:ext uri="{AF507438-7753-43E0-B8FC-AC1667EBCBE1}">
-              <a14:hiddenEffects xmlns:a14="http://schemas.microsoft.com/office/drawing/2010/main">
-                <a:effectLst>
-                  <a:outerShdw dist="35921" dir="2700000" algn="ctr" rotWithShape="0">
-                    <a:schemeClr val="bg2"/>
-                  </a:outerShdw>
-                </a:effectLst>
-              </a14:hiddenEffects>
-            </a:ext>
-          </a:extLst>
-        </p:spPr>
-        <p:txBody>
-          <a:bodyPr wrap="square" lIns="92075" tIns="46038" rIns="92075" bIns="46038">
-            <a:spAutoFit/>
-          </a:bodyPr>
-          <a:lstStyle/>
-          <a:p>
-            <a:pPr algn="just" eaLnBrk="0" hangingPunct="0">
-              <a:lnSpc>
-                <a:spcPct val="150000"/>
-              </a:lnSpc>
-            </a:pPr>
-            <a:r>
-              <a:rPr lang="es-ES" sz="2300" b="1" dirty="0" err="1">
-                <a:solidFill>
-                  <a:srgbClr val="FF0000"/>
-                </a:solidFill>
-                <a:latin typeface="Arial" pitchFamily="34" charset="0"/>
-                <a:cs typeface="Arial" pitchFamily="34" charset="0"/>
-              </a:rPr>
               <a:t>clear</a:t>
             </a:r>
             <a:r>
@@ -8591,7 +7477,7 @@
 </p:sld>
 </file>
 
-<file path=ppt/slides/slide16.xml><?xml version="1.0" encoding="utf-8"?>
+<file path=ppt/slides/slide14.xml><?xml version="1.0" encoding="utf-8"?>
 <p:sld xmlns:a="http://schemas.openxmlformats.org/drawingml/2006/main" xmlns:r="http://schemas.openxmlformats.org/officeDocument/2006/relationships" xmlns:p="http://schemas.openxmlformats.org/presentationml/2006/main">
   <p:cSld>
     <p:spTree>
@@ -9061,7 +7947,7 @@
 </p:sld>
 </file>
 
-<file path=ppt/slides/slide17.xml><?xml version="1.0" encoding="utf-8"?>
+<file path=ppt/slides/slide15.xml><?xml version="1.0" encoding="utf-8"?>
 <p:sld xmlns:a="http://schemas.openxmlformats.org/drawingml/2006/main" xmlns:r="http://schemas.openxmlformats.org/officeDocument/2006/relationships" xmlns:p="http://schemas.openxmlformats.org/presentationml/2006/main">
   <p:cSld>
     <p:spTree>
@@ -9459,7 +8345,7 @@
 </p:sld>
 </file>
 
-<file path=ppt/slides/slide18.xml><?xml version="1.0" encoding="utf-8"?>
+<file path=ppt/slides/slide16.xml><?xml version="1.0" encoding="utf-8"?>
 <p:sld xmlns:a="http://schemas.openxmlformats.org/drawingml/2006/main" xmlns:r="http://schemas.openxmlformats.org/officeDocument/2006/relationships" xmlns:p="http://schemas.openxmlformats.org/presentationml/2006/main">
   <p:cSld>
     <p:spTree>
@@ -9895,7 +8781,7 @@
 </p:sld>
 </file>
 
-<file path=ppt/slides/slide19.xml><?xml version="1.0" encoding="utf-8"?>
+<file path=ppt/slides/slide17.xml><?xml version="1.0" encoding="utf-8"?>
 <p:sld xmlns:a="http://schemas.openxmlformats.org/drawingml/2006/main" xmlns:r="http://schemas.openxmlformats.org/officeDocument/2006/relationships" xmlns:p="http://schemas.openxmlformats.org/presentationml/2006/main">
   <p:cSld>
     <p:spTree>
